--- a/CLOUDCOMPUTING_Phase2.pptx
+++ b/CLOUDCOMPUTING_Phase2.pptx
@@ -300,7 +300,7 @@
             <a:fld id="{887D3A2D-EEE5-4831-B86C-E4DCD1DFA2F9}" type="datetimeFigureOut">
               <a:rPr lang="en-IN" smtClean="0"/>
               <a:pPr/>
-              <a:t>11-10-2023</a:t>
+              <a:t>18-10-2023</a:t>
             </a:fld>
             <a:endParaRPr lang="en-IN"/>
           </a:p>
@@ -352,7 +352,7 @@
     </p:spTree>
     <p:extLst>
       <p:ext uri="{BB962C8B-B14F-4D97-AF65-F5344CB8AC3E}">
-        <p14:creationId xmlns:p14="http://schemas.microsoft.com/office/powerpoint/2010/main" xmlns="" val="572594364"/>
+        <p14:creationId xmlns="" xmlns:p14="http://schemas.microsoft.com/office/powerpoint/2010/main" val="572594364"/>
       </p:ext>
     </p:extLst>
   </p:cSld>
@@ -472,7 +472,7 @@
             <a:fld id="{887D3A2D-EEE5-4831-B86C-E4DCD1DFA2F9}" type="datetimeFigureOut">
               <a:rPr lang="en-IN" smtClean="0"/>
               <a:pPr/>
-              <a:t>11-10-2023</a:t>
+              <a:t>18-10-2023</a:t>
             </a:fld>
             <a:endParaRPr lang="en-IN"/>
           </a:p>
@@ -524,7 +524,7 @@
     </p:spTree>
     <p:extLst>
       <p:ext uri="{BB962C8B-B14F-4D97-AF65-F5344CB8AC3E}">
-        <p14:creationId xmlns:p14="http://schemas.microsoft.com/office/powerpoint/2010/main" xmlns="" val="3568417425"/>
+        <p14:creationId xmlns="" xmlns:p14="http://schemas.microsoft.com/office/powerpoint/2010/main" val="3568417425"/>
       </p:ext>
     </p:extLst>
   </p:cSld>
@@ -654,7 +654,7 @@
             <a:fld id="{887D3A2D-EEE5-4831-B86C-E4DCD1DFA2F9}" type="datetimeFigureOut">
               <a:rPr lang="en-IN" smtClean="0"/>
               <a:pPr/>
-              <a:t>11-10-2023</a:t>
+              <a:t>18-10-2023</a:t>
             </a:fld>
             <a:endParaRPr lang="en-IN"/>
           </a:p>
@@ -706,7 +706,7 @@
     </p:spTree>
     <p:extLst>
       <p:ext uri="{BB962C8B-B14F-4D97-AF65-F5344CB8AC3E}">
-        <p14:creationId xmlns:p14="http://schemas.microsoft.com/office/powerpoint/2010/main" xmlns="" val="3716974770"/>
+        <p14:creationId xmlns="" xmlns:p14="http://schemas.microsoft.com/office/powerpoint/2010/main" val="3716974770"/>
       </p:ext>
     </p:extLst>
   </p:cSld>
@@ -826,7 +826,7 @@
             <a:fld id="{887D3A2D-EEE5-4831-B86C-E4DCD1DFA2F9}" type="datetimeFigureOut">
               <a:rPr lang="en-IN" smtClean="0"/>
               <a:pPr/>
-              <a:t>11-10-2023</a:t>
+              <a:t>18-10-2023</a:t>
             </a:fld>
             <a:endParaRPr lang="en-IN"/>
           </a:p>
@@ -878,7 +878,7 @@
     </p:spTree>
     <p:extLst>
       <p:ext uri="{BB962C8B-B14F-4D97-AF65-F5344CB8AC3E}">
-        <p14:creationId xmlns:p14="http://schemas.microsoft.com/office/powerpoint/2010/main" xmlns="" val="3110999785"/>
+        <p14:creationId xmlns="" xmlns:p14="http://schemas.microsoft.com/office/powerpoint/2010/main" val="3110999785"/>
       </p:ext>
     </p:extLst>
   </p:cSld>
@@ -1074,7 +1074,7 @@
             <a:fld id="{887D3A2D-EEE5-4831-B86C-E4DCD1DFA2F9}" type="datetimeFigureOut">
               <a:rPr lang="en-IN" smtClean="0"/>
               <a:pPr/>
-              <a:t>11-10-2023</a:t>
+              <a:t>18-10-2023</a:t>
             </a:fld>
             <a:endParaRPr lang="en-IN"/>
           </a:p>
@@ -1126,7 +1126,7 @@
     </p:spTree>
     <p:extLst>
       <p:ext uri="{BB962C8B-B14F-4D97-AF65-F5344CB8AC3E}">
-        <p14:creationId xmlns:p14="http://schemas.microsoft.com/office/powerpoint/2010/main" xmlns="" val="3954393765"/>
+        <p14:creationId xmlns="" xmlns:p14="http://schemas.microsoft.com/office/powerpoint/2010/main" val="3954393765"/>
       </p:ext>
     </p:extLst>
   </p:cSld>
@@ -1364,7 +1364,7 @@
             <a:fld id="{887D3A2D-EEE5-4831-B86C-E4DCD1DFA2F9}" type="datetimeFigureOut">
               <a:rPr lang="en-IN" smtClean="0"/>
               <a:pPr/>
-              <a:t>11-10-2023</a:t>
+              <a:t>18-10-2023</a:t>
             </a:fld>
             <a:endParaRPr lang="en-IN"/>
           </a:p>
@@ -1416,7 +1416,7 @@
     </p:spTree>
     <p:extLst>
       <p:ext uri="{BB962C8B-B14F-4D97-AF65-F5344CB8AC3E}">
-        <p14:creationId xmlns:p14="http://schemas.microsoft.com/office/powerpoint/2010/main" xmlns="" val="3823865358"/>
+        <p14:creationId xmlns="" xmlns:p14="http://schemas.microsoft.com/office/powerpoint/2010/main" val="3823865358"/>
       </p:ext>
     </p:extLst>
   </p:cSld>
@@ -1788,7 +1788,7 @@
             <a:fld id="{887D3A2D-EEE5-4831-B86C-E4DCD1DFA2F9}" type="datetimeFigureOut">
               <a:rPr lang="en-IN" smtClean="0"/>
               <a:pPr/>
-              <a:t>11-10-2023</a:t>
+              <a:t>18-10-2023</a:t>
             </a:fld>
             <a:endParaRPr lang="en-IN"/>
           </a:p>
@@ -1840,7 +1840,7 @@
     </p:spTree>
     <p:extLst>
       <p:ext uri="{BB962C8B-B14F-4D97-AF65-F5344CB8AC3E}">
-        <p14:creationId xmlns:p14="http://schemas.microsoft.com/office/powerpoint/2010/main" xmlns="" val="98694593"/>
+        <p14:creationId xmlns="" xmlns:p14="http://schemas.microsoft.com/office/powerpoint/2010/main" val="98694593"/>
       </p:ext>
     </p:extLst>
   </p:cSld>
@@ -1908,7 +1908,7 @@
             <a:fld id="{887D3A2D-EEE5-4831-B86C-E4DCD1DFA2F9}" type="datetimeFigureOut">
               <a:rPr lang="en-IN" smtClean="0"/>
               <a:pPr/>
-              <a:t>11-10-2023</a:t>
+              <a:t>18-10-2023</a:t>
             </a:fld>
             <a:endParaRPr lang="en-IN"/>
           </a:p>
@@ -1960,7 +1960,7 @@
     </p:spTree>
     <p:extLst>
       <p:ext uri="{BB962C8B-B14F-4D97-AF65-F5344CB8AC3E}">
-        <p14:creationId xmlns:p14="http://schemas.microsoft.com/office/powerpoint/2010/main" xmlns="" val="1233588973"/>
+        <p14:creationId xmlns="" xmlns:p14="http://schemas.microsoft.com/office/powerpoint/2010/main" val="1233588973"/>
       </p:ext>
     </p:extLst>
   </p:cSld>
@@ -2005,7 +2005,7 @@
             <a:fld id="{887D3A2D-EEE5-4831-B86C-E4DCD1DFA2F9}" type="datetimeFigureOut">
               <a:rPr lang="en-IN" smtClean="0"/>
               <a:pPr/>
-              <a:t>11-10-2023</a:t>
+              <a:t>18-10-2023</a:t>
             </a:fld>
             <a:endParaRPr lang="en-IN"/>
           </a:p>
@@ -2057,7 +2057,7 @@
     </p:spTree>
     <p:extLst>
       <p:ext uri="{BB962C8B-B14F-4D97-AF65-F5344CB8AC3E}">
-        <p14:creationId xmlns:p14="http://schemas.microsoft.com/office/powerpoint/2010/main" xmlns="" val="3347448450"/>
+        <p14:creationId xmlns="" xmlns:p14="http://schemas.microsoft.com/office/powerpoint/2010/main" val="3347448450"/>
       </p:ext>
     </p:extLst>
   </p:cSld>
@@ -2284,7 +2284,7 @@
             <a:fld id="{887D3A2D-EEE5-4831-B86C-E4DCD1DFA2F9}" type="datetimeFigureOut">
               <a:rPr lang="en-IN" smtClean="0"/>
               <a:pPr/>
-              <a:t>11-10-2023</a:t>
+              <a:t>18-10-2023</a:t>
             </a:fld>
             <a:endParaRPr lang="en-IN"/>
           </a:p>
@@ -2336,7 +2336,7 @@
     </p:spTree>
     <p:extLst>
       <p:ext uri="{BB962C8B-B14F-4D97-AF65-F5344CB8AC3E}">
-        <p14:creationId xmlns:p14="http://schemas.microsoft.com/office/powerpoint/2010/main" xmlns="" val="2439423021"/>
+        <p14:creationId xmlns="" xmlns:p14="http://schemas.microsoft.com/office/powerpoint/2010/main" val="2439423021"/>
       </p:ext>
     </p:extLst>
   </p:cSld>
@@ -2539,7 +2539,7 @@
             <a:fld id="{887D3A2D-EEE5-4831-B86C-E4DCD1DFA2F9}" type="datetimeFigureOut">
               <a:rPr lang="en-IN" smtClean="0"/>
               <a:pPr/>
-              <a:t>11-10-2023</a:t>
+              <a:t>18-10-2023</a:t>
             </a:fld>
             <a:endParaRPr lang="en-IN"/>
           </a:p>
@@ -2591,7 +2591,7 @@
     </p:spTree>
     <p:extLst>
       <p:ext uri="{BB962C8B-B14F-4D97-AF65-F5344CB8AC3E}">
-        <p14:creationId xmlns:p14="http://schemas.microsoft.com/office/powerpoint/2010/main" xmlns="" val="2163555529"/>
+        <p14:creationId xmlns="" xmlns:p14="http://schemas.microsoft.com/office/powerpoint/2010/main" val="2163555529"/>
       </p:ext>
     </p:extLst>
   </p:cSld>
@@ -2754,7 +2754,7 @@
             <a:fld id="{887D3A2D-EEE5-4831-B86C-E4DCD1DFA2F9}" type="datetimeFigureOut">
               <a:rPr lang="en-IN" smtClean="0"/>
               <a:pPr/>
-              <a:t>11-10-2023</a:t>
+              <a:t>18-10-2023</a:t>
             </a:fld>
             <a:endParaRPr lang="en-IN"/>
           </a:p>
@@ -2842,7 +2842,7 @@
     </p:spTree>
     <p:extLst>
       <p:ext uri="{BB962C8B-B14F-4D97-AF65-F5344CB8AC3E}">
-        <p14:creationId xmlns:p14="http://schemas.microsoft.com/office/powerpoint/2010/main" xmlns="" val="915059317"/>
+        <p14:creationId xmlns="" xmlns:p14="http://schemas.microsoft.com/office/powerpoint/2010/main" val="915059317"/>
       </p:ext>
     </p:extLst>
   </p:cSld>
@@ -3152,6 +3152,30 @@
           </a:bodyPr>
           <a:lstStyle/>
           <a:p>
+            <a:r>
+              <a:rPr lang="en-US" sz="1800" dirty="0" smtClean="0">
+                <a:solidFill>
+                  <a:schemeClr val="tx1"/>
+                </a:solidFill>
+                <a:latin typeface="Times New Roman" pitchFamily="18" charset="0"/>
+                <a:cs typeface="Times New Roman" pitchFamily="18" charset="0"/>
+              </a:rPr>
+              <a:t>Submitted by</a:t>
+            </a:r>
+          </a:p>
+          <a:p>
+            <a:r>
+              <a:rPr lang="en-US" sz="1800" b="1" dirty="0" smtClean="0">
+                <a:solidFill>
+                  <a:schemeClr val="tx1"/>
+                </a:solidFill>
+                <a:latin typeface="Times New Roman" pitchFamily="18" charset="0"/>
+                <a:cs typeface="Times New Roman" pitchFamily="18" charset="0"/>
+              </a:rPr>
+              <a:t>Ravi Vishnu A</a:t>
+            </a:r>
+          </a:p>
+          <a:p>
             <a:endParaRPr lang="en-US" sz="1800" b="1" dirty="0" smtClean="0">
               <a:solidFill>
                 <a:schemeClr val="tx1"/>
@@ -3257,7 +3281,7 @@
     </p:spTree>
     <p:extLst>
       <p:ext uri="{BB962C8B-B14F-4D97-AF65-F5344CB8AC3E}">
-        <p14:creationId xmlns:p14="http://schemas.microsoft.com/office/powerpoint/2010/main" xmlns="" val="14614128"/>
+        <p14:creationId xmlns="" xmlns:p14="http://schemas.microsoft.com/office/powerpoint/2010/main" val="14614128"/>
       </p:ext>
     </p:extLst>
   </p:cSld>
@@ -3336,7 +3360,7 @@
           <a:blip r:embed="rId2" cstate="print">
             <a:extLst>
               <a:ext uri="{28A0092B-C50C-407E-A947-70E740481C1C}">
-                <a14:useLocalDpi xmlns:a14="http://schemas.microsoft.com/office/drawing/2010/main" xmlns="" val="0"/>
+                <a14:useLocalDpi xmlns="" xmlns:a14="http://schemas.microsoft.com/office/drawing/2010/main" val="0"/>
               </a:ext>
             </a:extLst>
           </a:blip>
@@ -3360,14 +3384,14 @@
           <a:effectLst/>
           <a:extLst>
             <a:ext uri="{909E8E84-426E-40DD-AFC4-6F175D3DCCD1}">
-              <a14:hiddenFill xmlns:a14="http://schemas.microsoft.com/office/drawing/2010/main" xmlns="">
+              <a14:hiddenFill xmlns="" xmlns:a14="http://schemas.microsoft.com/office/drawing/2010/main">
                 <a:solidFill>
                   <a:schemeClr val="accent1"/>
                 </a:solidFill>
               </a14:hiddenFill>
             </a:ext>
             <a:ext uri="{91240B29-F687-4F45-9708-019B960494DF}">
-              <a14:hiddenLine xmlns:a14="http://schemas.microsoft.com/office/drawing/2010/main" xmlns="" w="9525">
+              <a14:hiddenLine xmlns="" xmlns:a14="http://schemas.microsoft.com/office/drawing/2010/main" w="9525">
                 <a:solidFill>
                   <a:schemeClr val="tx1"/>
                 </a:solidFill>
@@ -3377,7 +3401,7 @@
               </a14:hiddenLine>
             </a:ext>
             <a:ext uri="{AF507438-7753-43E0-B8FC-AC1667EBCBE1}">
-              <a14:hiddenEffects xmlns:a14="http://schemas.microsoft.com/office/drawing/2010/main" xmlns="">
+              <a14:hiddenEffects xmlns="" xmlns:a14="http://schemas.microsoft.com/office/drawing/2010/main">
                 <a:effectLst>
                   <a:outerShdw dist="35921" dir="2700000" algn="ctr" rotWithShape="0">
                     <a:schemeClr val="bg2"/>
@@ -3407,7 +3431,7 @@
           <a:noFill/>
           <a:extLst>
             <a:ext uri="{909E8E84-426E-40DD-AFC4-6F175D3DCCD1}">
-              <a14:hiddenFill xmlns:a14="http://schemas.microsoft.com/office/drawing/2010/main" xmlns="">
+              <a14:hiddenFill xmlns="" xmlns:a14="http://schemas.microsoft.com/office/drawing/2010/main">
                 <a:solidFill>
                   <a:srgbClr val="FFFFFF"/>
                 </a:solidFill>
@@ -3439,7 +3463,7 @@
           <a:blip r:embed="rId3" cstate="print">
             <a:extLst>
               <a:ext uri="{28A0092B-C50C-407E-A947-70E740481C1C}">
-                <a14:useLocalDpi xmlns:a14="http://schemas.microsoft.com/office/drawing/2010/main" xmlns="" val="0"/>
+                <a14:useLocalDpi xmlns="" xmlns:a14="http://schemas.microsoft.com/office/drawing/2010/main" val="0"/>
               </a:ext>
             </a:extLst>
           </a:blip>
@@ -3463,14 +3487,14 @@
           <a:effectLst/>
           <a:extLst>
             <a:ext uri="{909E8E84-426E-40DD-AFC4-6F175D3DCCD1}">
-              <a14:hiddenFill xmlns:a14="http://schemas.microsoft.com/office/drawing/2010/main" xmlns="">
+              <a14:hiddenFill xmlns="" xmlns:a14="http://schemas.microsoft.com/office/drawing/2010/main">
                 <a:solidFill>
                   <a:schemeClr val="accent1"/>
                 </a:solidFill>
               </a14:hiddenFill>
             </a:ext>
             <a:ext uri="{91240B29-F687-4F45-9708-019B960494DF}">
-              <a14:hiddenLine xmlns:a14="http://schemas.microsoft.com/office/drawing/2010/main" xmlns="" w="9525">
+              <a14:hiddenLine xmlns="" xmlns:a14="http://schemas.microsoft.com/office/drawing/2010/main" w="9525">
                 <a:solidFill>
                   <a:schemeClr val="tx1"/>
                 </a:solidFill>
@@ -3480,7 +3504,7 @@
               </a14:hiddenLine>
             </a:ext>
             <a:ext uri="{AF507438-7753-43E0-B8FC-AC1667EBCBE1}">
-              <a14:hiddenEffects xmlns:a14="http://schemas.microsoft.com/office/drawing/2010/main" xmlns="">
+              <a14:hiddenEffects xmlns="" xmlns:a14="http://schemas.microsoft.com/office/drawing/2010/main">
                 <a:effectLst>
                   <a:outerShdw dist="35921" dir="2700000" algn="ctr" rotWithShape="0">
                     <a:schemeClr val="bg2"/>
@@ -3644,7 +3668,7 @@
     </p:spTree>
     <p:extLst>
       <p:ext uri="{BB962C8B-B14F-4D97-AF65-F5344CB8AC3E}">
-        <p14:creationId xmlns:p14="http://schemas.microsoft.com/office/powerpoint/2010/main" xmlns="" val="2368058397"/>
+        <p14:creationId xmlns="" xmlns:p14="http://schemas.microsoft.com/office/powerpoint/2010/main" val="2368058397"/>
       </p:ext>
     </p:extLst>
   </p:cSld>
@@ -3779,7 +3803,7 @@
     </p:spTree>
     <p:extLst>
       <p:ext uri="{BB962C8B-B14F-4D97-AF65-F5344CB8AC3E}">
-        <p14:creationId xmlns:p14="http://schemas.microsoft.com/office/powerpoint/2010/main" xmlns="" val="547787888"/>
+        <p14:creationId xmlns="" xmlns:p14="http://schemas.microsoft.com/office/powerpoint/2010/main" val="547787888"/>
       </p:ext>
     </p:extLst>
   </p:cSld>
@@ -3932,7 +3956,7 @@
     </p:spTree>
     <p:extLst>
       <p:ext uri="{BB962C8B-B14F-4D97-AF65-F5344CB8AC3E}">
-        <p14:creationId xmlns:p14="http://schemas.microsoft.com/office/powerpoint/2010/main" xmlns="" val="275698407"/>
+        <p14:creationId xmlns="" xmlns:p14="http://schemas.microsoft.com/office/powerpoint/2010/main" val="275698407"/>
       </p:ext>
     </p:extLst>
   </p:cSld>
@@ -4105,7 +4129,7 @@
     </p:spTree>
     <p:extLst>
       <p:ext uri="{BB962C8B-B14F-4D97-AF65-F5344CB8AC3E}">
-        <p14:creationId xmlns:p14="http://schemas.microsoft.com/office/powerpoint/2010/main" xmlns="" val="2701533342"/>
+        <p14:creationId xmlns="" xmlns:p14="http://schemas.microsoft.com/office/powerpoint/2010/main" val="2701533342"/>
       </p:ext>
     </p:extLst>
   </p:cSld>
@@ -4261,7 +4285,7 @@
     </p:spTree>
     <p:extLst>
       <p:ext uri="{BB962C8B-B14F-4D97-AF65-F5344CB8AC3E}">
-        <p14:creationId xmlns:p14="http://schemas.microsoft.com/office/powerpoint/2010/main" xmlns="" val="4158572236"/>
+        <p14:creationId xmlns="" xmlns:p14="http://schemas.microsoft.com/office/powerpoint/2010/main" val="4158572236"/>
       </p:ext>
     </p:extLst>
   </p:cSld>
@@ -4423,7 +4447,7 @@
     </p:spTree>
     <p:extLst>
       <p:ext uri="{BB962C8B-B14F-4D97-AF65-F5344CB8AC3E}">
-        <p14:creationId xmlns:p14="http://schemas.microsoft.com/office/powerpoint/2010/main" xmlns="" val="3211982500"/>
+        <p14:creationId xmlns="" xmlns:p14="http://schemas.microsoft.com/office/powerpoint/2010/main" val="3211982500"/>
       </p:ext>
     </p:extLst>
   </p:cSld>
@@ -4728,7 +4752,7 @@
     </p:spTree>
     <p:extLst>
       <p:ext uri="{BB962C8B-B14F-4D97-AF65-F5344CB8AC3E}">
-        <p14:creationId xmlns:p14="http://schemas.microsoft.com/office/powerpoint/2010/main" xmlns="" val="1536778964"/>
+        <p14:creationId xmlns="" xmlns:p14="http://schemas.microsoft.com/office/powerpoint/2010/main" val="1536778964"/>
       </p:ext>
     </p:extLst>
   </p:cSld>
@@ -5703,7 +5727,7 @@
     </p:spTree>
     <p:extLst>
       <p:ext uri="{BB962C8B-B14F-4D97-AF65-F5344CB8AC3E}">
-        <p14:creationId xmlns:p14="http://schemas.microsoft.com/office/powerpoint/2010/main" xmlns="" val="3391410744"/>
+        <p14:creationId xmlns="" xmlns:p14="http://schemas.microsoft.com/office/powerpoint/2010/main" val="3391410744"/>
       </p:ext>
     </p:extLst>
   </p:cSld>
@@ -5820,7 +5844,7 @@
           <a:blip r:embed="rId2">
             <a:extLst>
               <a:ext uri="{28A0092B-C50C-407E-A947-70E740481C1C}">
-                <a14:useLocalDpi xmlns:a14="http://schemas.microsoft.com/office/drawing/2010/main" xmlns="" val="0"/>
+                <a14:useLocalDpi xmlns="" xmlns:a14="http://schemas.microsoft.com/office/drawing/2010/main" val="0"/>
               </a:ext>
             </a:extLst>
           </a:blip>
@@ -5844,14 +5868,14 @@
           <a:effectLst/>
           <a:extLst>
             <a:ext uri="{909E8E84-426E-40DD-AFC4-6F175D3DCCD1}">
-              <a14:hiddenFill xmlns:a14="http://schemas.microsoft.com/office/drawing/2010/main" xmlns="">
+              <a14:hiddenFill xmlns="" xmlns:a14="http://schemas.microsoft.com/office/drawing/2010/main">
                 <a:solidFill>
                   <a:schemeClr val="accent1"/>
                 </a:solidFill>
               </a14:hiddenFill>
             </a:ext>
             <a:ext uri="{91240B29-F687-4F45-9708-019B960494DF}">
-              <a14:hiddenLine xmlns:a14="http://schemas.microsoft.com/office/drawing/2010/main" xmlns="" w="9525">
+              <a14:hiddenLine xmlns="" xmlns:a14="http://schemas.microsoft.com/office/drawing/2010/main" w="9525">
                 <a:solidFill>
                   <a:schemeClr val="tx1"/>
                 </a:solidFill>
@@ -5861,7 +5885,7 @@
               </a14:hiddenLine>
             </a:ext>
             <a:ext uri="{AF507438-7753-43E0-B8FC-AC1667EBCBE1}">
-              <a14:hiddenEffects xmlns:a14="http://schemas.microsoft.com/office/drawing/2010/main" xmlns="">
+              <a14:hiddenEffects xmlns="" xmlns:a14="http://schemas.microsoft.com/office/drawing/2010/main">
                 <a:effectLst>
                   <a:outerShdw dist="35921" dir="2700000" algn="ctr" rotWithShape="0">
                     <a:schemeClr val="bg2"/>
@@ -5875,7 +5899,7 @@
     </p:spTree>
     <p:extLst>
       <p:ext uri="{BB962C8B-B14F-4D97-AF65-F5344CB8AC3E}">
-        <p14:creationId xmlns:p14="http://schemas.microsoft.com/office/powerpoint/2010/main" xmlns="" val="3915072529"/>
+        <p14:creationId xmlns="" xmlns:p14="http://schemas.microsoft.com/office/powerpoint/2010/main" val="3915072529"/>
       </p:ext>
     </p:extLst>
   </p:cSld>
@@ -5954,7 +5978,7 @@
           <a:blip r:embed="rId2">
             <a:extLst>
               <a:ext uri="{28A0092B-C50C-407E-A947-70E740481C1C}">
-                <a14:useLocalDpi xmlns:a14="http://schemas.microsoft.com/office/drawing/2010/main" xmlns="" val="0"/>
+                <a14:useLocalDpi xmlns="" xmlns:a14="http://schemas.microsoft.com/office/drawing/2010/main" val="0"/>
               </a:ext>
             </a:extLst>
           </a:blip>
@@ -5978,14 +6002,14 @@
           <a:effectLst/>
           <a:extLst>
             <a:ext uri="{909E8E84-426E-40DD-AFC4-6F175D3DCCD1}">
-              <a14:hiddenFill xmlns:a14="http://schemas.microsoft.com/office/drawing/2010/main" xmlns="">
+              <a14:hiddenFill xmlns="" xmlns:a14="http://schemas.microsoft.com/office/drawing/2010/main">
                 <a:solidFill>
                   <a:schemeClr val="accent1"/>
                 </a:solidFill>
               </a14:hiddenFill>
             </a:ext>
             <a:ext uri="{91240B29-F687-4F45-9708-019B960494DF}">
-              <a14:hiddenLine xmlns:a14="http://schemas.microsoft.com/office/drawing/2010/main" xmlns="" w="9525">
+              <a14:hiddenLine xmlns="" xmlns:a14="http://schemas.microsoft.com/office/drawing/2010/main" w="9525">
                 <a:solidFill>
                   <a:schemeClr val="tx1"/>
                 </a:solidFill>
@@ -5995,7 +6019,7 @@
               </a14:hiddenLine>
             </a:ext>
             <a:ext uri="{AF507438-7753-43E0-B8FC-AC1667EBCBE1}">
-              <a14:hiddenEffects xmlns:a14="http://schemas.microsoft.com/office/drawing/2010/main" xmlns="">
+              <a14:hiddenEffects xmlns="" xmlns:a14="http://schemas.microsoft.com/office/drawing/2010/main">
                 <a:effectLst>
                   <a:outerShdw dist="35921" dir="2700000" algn="ctr" rotWithShape="0">
                     <a:schemeClr val="bg2"/>
@@ -6009,7 +6033,7 @@
     </p:spTree>
     <p:extLst>
       <p:ext uri="{BB962C8B-B14F-4D97-AF65-F5344CB8AC3E}">
-        <p14:creationId xmlns:p14="http://schemas.microsoft.com/office/powerpoint/2010/main" xmlns="" val="2391768800"/>
+        <p14:creationId xmlns="" xmlns:p14="http://schemas.microsoft.com/office/powerpoint/2010/main" val="2391768800"/>
       </p:ext>
     </p:extLst>
   </p:cSld>
@@ -6098,7 +6122,7 @@
           <a:blip r:embed="rId2">
             <a:extLst>
               <a:ext uri="{28A0092B-C50C-407E-A947-70E740481C1C}">
-                <a14:useLocalDpi xmlns:a14="http://schemas.microsoft.com/office/drawing/2010/main" xmlns="" val="0"/>
+                <a14:useLocalDpi xmlns="" xmlns:a14="http://schemas.microsoft.com/office/drawing/2010/main" val="0"/>
               </a:ext>
             </a:extLst>
           </a:blip>
@@ -6122,14 +6146,14 @@
           <a:effectLst/>
           <a:extLst>
             <a:ext uri="{909E8E84-426E-40DD-AFC4-6F175D3DCCD1}">
-              <a14:hiddenFill xmlns:a14="http://schemas.microsoft.com/office/drawing/2010/main" xmlns="">
+              <a14:hiddenFill xmlns="" xmlns:a14="http://schemas.microsoft.com/office/drawing/2010/main">
                 <a:solidFill>
                   <a:schemeClr val="accent1"/>
                 </a:solidFill>
               </a14:hiddenFill>
             </a:ext>
             <a:ext uri="{91240B29-F687-4F45-9708-019B960494DF}">
-              <a14:hiddenLine xmlns:a14="http://schemas.microsoft.com/office/drawing/2010/main" xmlns="" w="9525">
+              <a14:hiddenLine xmlns="" xmlns:a14="http://schemas.microsoft.com/office/drawing/2010/main" w="9525">
                 <a:solidFill>
                   <a:schemeClr val="tx1"/>
                 </a:solidFill>
@@ -6139,7 +6163,7 @@
               </a14:hiddenLine>
             </a:ext>
             <a:ext uri="{AF507438-7753-43E0-B8FC-AC1667EBCBE1}">
-              <a14:hiddenEffects xmlns:a14="http://schemas.microsoft.com/office/drawing/2010/main" xmlns="">
+              <a14:hiddenEffects xmlns="" xmlns:a14="http://schemas.microsoft.com/office/drawing/2010/main">
                 <a:effectLst>
                   <a:outerShdw dist="35921" dir="2700000" algn="ctr" rotWithShape="0">
                     <a:schemeClr val="bg2"/>
@@ -6153,7 +6177,7 @@
     </p:spTree>
     <p:extLst>
       <p:ext uri="{BB962C8B-B14F-4D97-AF65-F5344CB8AC3E}">
-        <p14:creationId xmlns:p14="http://schemas.microsoft.com/office/powerpoint/2010/main" xmlns="" val="3284153875"/>
+        <p14:creationId xmlns="" xmlns:p14="http://schemas.microsoft.com/office/powerpoint/2010/main" val="3284153875"/>
       </p:ext>
     </p:extLst>
   </p:cSld>
